--- a/figures/Cline summary.pptx
+++ b/figures/Cline summary.pptx
@@ -7,6 +7,7 @@
   <p:sldIdLst>
     <p:sldId id="256" r:id="rId2"/>
     <p:sldId id="257" r:id="rId3"/>
+    <p:sldId id="258" r:id="rId4"/>
   </p:sldIdLst>
   <p:sldSz cx="12192000" cy="6858000"/>
   <p:notesSz cx="6858000" cy="9144000"/>
@@ -3673,6 +3674,108 @@
 </p:sld>
 </file>
 
+<file path=ppt/slides/slide3.xml><?xml version="1.0" encoding="utf-8"?>
+<p:sld xmlns:a="http://schemas.openxmlformats.org/drawingml/2006/main" xmlns:r="http://schemas.openxmlformats.org/officeDocument/2006/relationships" xmlns:p="http://schemas.openxmlformats.org/presentationml/2006/main">
+  <p:cSld>
+    <p:spTree>
+      <p:nvGrpSpPr>
+        <p:cNvPr id="1" name=""/>
+        <p:cNvGrpSpPr/>
+        <p:nvPr/>
+      </p:nvGrpSpPr>
+      <p:grpSpPr>
+        <a:xfrm>
+          <a:off x="0" y="0"/>
+          <a:ext cx="0" cy="0"/>
+          <a:chOff x="0" y="0"/>
+          <a:chExt cx="0" cy="0"/>
+        </a:xfrm>
+      </p:grpSpPr>
+      <p:pic>
+        <p:nvPicPr>
+          <p:cNvPr id="3" name="Graphic 2">
+            <a:extLst>
+              <a:ext uri="{FF2B5EF4-FFF2-40B4-BE49-F238E27FC236}">
+                <a16:creationId xmlns:a16="http://schemas.microsoft.com/office/drawing/2014/main" id="{524B9F07-D448-8044-A6DC-E8A90CE1AAEA}"/>
+              </a:ext>
+            </a:extLst>
+          </p:cNvPr>
+          <p:cNvPicPr>
+            <a:picLocks noChangeAspect="1"/>
+          </p:cNvPicPr>
+          <p:nvPr/>
+        </p:nvPicPr>
+        <p:blipFill>
+          <a:blip r:embed="rId2">
+            <a:extLst>
+              <a:ext uri="{96DAC541-7B7A-43D3-8B79-37D633B846F1}">
+                <asvg:svgBlip xmlns:asvg="http://schemas.microsoft.com/office/drawing/2016/SVG/main" r:embed="rId3"/>
+              </a:ext>
+            </a:extLst>
+          </a:blip>
+          <a:stretch>
+            <a:fillRect/>
+          </a:stretch>
+        </p:blipFill>
+        <p:spPr>
+          <a:xfrm>
+            <a:off x="154940" y="2773679"/>
+            <a:ext cx="6126482" cy="4084321"/>
+          </a:xfrm>
+          <a:prstGeom prst="rect">
+            <a:avLst/>
+          </a:prstGeom>
+        </p:spPr>
+      </p:pic>
+      <p:pic>
+        <p:nvPicPr>
+          <p:cNvPr id="5" name="Graphic 4">
+            <a:extLst>
+              <a:ext uri="{FF2B5EF4-FFF2-40B4-BE49-F238E27FC236}">
+                <a16:creationId xmlns:a16="http://schemas.microsoft.com/office/drawing/2014/main" id="{A1C5517A-F52E-4C44-8022-327DECCDFA54}"/>
+              </a:ext>
+            </a:extLst>
+          </p:cNvPr>
+          <p:cNvPicPr>
+            <a:picLocks noChangeAspect="1"/>
+          </p:cNvPicPr>
+          <p:nvPr/>
+        </p:nvPicPr>
+        <p:blipFill>
+          <a:blip r:embed="rId4">
+            <a:extLst>
+              <a:ext uri="{96DAC541-7B7A-43D3-8B79-37D633B846F1}">
+                <asvg:svgBlip xmlns:asvg="http://schemas.microsoft.com/office/drawing/2016/SVG/main" r:embed="rId5"/>
+              </a:ext>
+            </a:extLst>
+          </a:blip>
+          <a:stretch>
+            <a:fillRect/>
+          </a:stretch>
+        </p:blipFill>
+        <p:spPr>
+          <a:xfrm>
+            <a:off x="5902960" y="0"/>
+            <a:ext cx="6096000" cy="4064000"/>
+          </a:xfrm>
+          <a:prstGeom prst="rect">
+            <a:avLst/>
+          </a:prstGeom>
+        </p:spPr>
+      </p:pic>
+    </p:spTree>
+    <p:extLst>
+      <p:ext uri="{BB962C8B-B14F-4D97-AF65-F5344CB8AC3E}">
+        <p14:creationId xmlns:p14="http://schemas.microsoft.com/office/powerpoint/2010/main" val="3650099431"/>
+      </p:ext>
+    </p:extLst>
+  </p:cSld>
+  <p:clrMapOvr>
+    <a:masterClrMapping/>
+  </p:clrMapOvr>
+</p:sld>
+</file>
+
 <file path=ppt/theme/theme1.xml><?xml version="1.0" encoding="utf-8"?>
 <a:theme xmlns:a="http://schemas.openxmlformats.org/drawingml/2006/main" name="Office Theme">
   <a:themeElements>

--- a/figures/Cline summary.pptx
+++ b/figures/Cline summary.pptx
@@ -8,6 +8,7 @@
     <p:sldId id="256" r:id="rId2"/>
     <p:sldId id="257" r:id="rId3"/>
     <p:sldId id="258" r:id="rId4"/>
+    <p:sldId id="259" r:id="rId5"/>
   </p:sldIdLst>
   <p:sldSz cx="12192000" cy="6858000"/>
   <p:notesSz cx="6858000" cy="9144000"/>
@@ -260,7 +261,7 @@
           <a:lstStyle/>
           <a:p>
             <a:fld id="{9A7080B5-3C6C-C64D-9AAC-12C93C3932B1}" type="datetimeFigureOut">
-              <a:t>11/27/19</a:t>
+              <a:t>11/28/19</a:t>
             </a:fld>
             <a:endParaRPr lang="en-US"/>
           </a:p>
@@ -456,7 +457,7 @@
           <a:lstStyle/>
           <a:p>
             <a:fld id="{9A7080B5-3C6C-C64D-9AAC-12C93C3932B1}" type="datetimeFigureOut">
-              <a:t>11/27/19</a:t>
+              <a:t>11/28/19</a:t>
             </a:fld>
             <a:endParaRPr lang="en-US"/>
           </a:p>
@@ -662,7 +663,7 @@
           <a:lstStyle/>
           <a:p>
             <a:fld id="{9A7080B5-3C6C-C64D-9AAC-12C93C3932B1}" type="datetimeFigureOut">
-              <a:t>11/27/19</a:t>
+              <a:t>11/28/19</a:t>
             </a:fld>
             <a:endParaRPr lang="en-US"/>
           </a:p>
@@ -858,7 +859,7 @@
           <a:lstStyle/>
           <a:p>
             <a:fld id="{9A7080B5-3C6C-C64D-9AAC-12C93C3932B1}" type="datetimeFigureOut">
-              <a:t>11/27/19</a:t>
+              <a:t>11/28/19</a:t>
             </a:fld>
             <a:endParaRPr lang="en-US"/>
           </a:p>
@@ -1131,7 +1132,7 @@
           <a:lstStyle/>
           <a:p>
             <a:fld id="{9A7080B5-3C6C-C64D-9AAC-12C93C3932B1}" type="datetimeFigureOut">
-              <a:t>11/27/19</a:t>
+              <a:t>11/28/19</a:t>
             </a:fld>
             <a:endParaRPr lang="en-US"/>
           </a:p>
@@ -1394,7 +1395,7 @@
           <a:lstStyle/>
           <a:p>
             <a:fld id="{9A7080B5-3C6C-C64D-9AAC-12C93C3932B1}" type="datetimeFigureOut">
-              <a:t>11/27/19</a:t>
+              <a:t>11/28/19</a:t>
             </a:fld>
             <a:endParaRPr lang="en-US"/>
           </a:p>
@@ -1804,7 +1805,7 @@
           <a:lstStyle/>
           <a:p>
             <a:fld id="{9A7080B5-3C6C-C64D-9AAC-12C93C3932B1}" type="datetimeFigureOut">
-              <a:t>11/27/19</a:t>
+              <a:t>11/28/19</a:t>
             </a:fld>
             <a:endParaRPr lang="en-US"/>
           </a:p>
@@ -1943,7 +1944,7 @@
           <a:lstStyle/>
           <a:p>
             <a:fld id="{9A7080B5-3C6C-C64D-9AAC-12C93C3932B1}" type="datetimeFigureOut">
-              <a:t>11/27/19</a:t>
+              <a:t>11/28/19</a:t>
             </a:fld>
             <a:endParaRPr lang="en-US"/>
           </a:p>
@@ -2054,7 +2055,7 @@
           <a:lstStyle/>
           <a:p>
             <a:fld id="{9A7080B5-3C6C-C64D-9AAC-12C93C3932B1}" type="datetimeFigureOut">
-              <a:t>11/27/19</a:t>
+              <a:t>11/28/19</a:t>
             </a:fld>
             <a:endParaRPr lang="en-US"/>
           </a:p>
@@ -2363,7 +2364,7 @@
           <a:lstStyle/>
           <a:p>
             <a:fld id="{9A7080B5-3C6C-C64D-9AAC-12C93C3932B1}" type="datetimeFigureOut">
-              <a:t>11/27/19</a:t>
+              <a:t>11/28/19</a:t>
             </a:fld>
             <a:endParaRPr lang="en-US"/>
           </a:p>
@@ -2649,7 +2650,7 @@
           <a:lstStyle/>
           <a:p>
             <a:fld id="{9A7080B5-3C6C-C64D-9AAC-12C93C3932B1}" type="datetimeFigureOut">
-              <a:t>11/27/19</a:t>
+              <a:t>11/28/19</a:t>
             </a:fld>
             <a:endParaRPr lang="en-US"/>
           </a:p>
@@ -2888,7 +2889,7 @@
           </a:lstStyle>
           <a:p>
             <a:fld id="{9A7080B5-3C6C-C64D-9AAC-12C93C3932B1}" type="datetimeFigureOut">
-              <a:t>11/27/19</a:t>
+              <a:t>11/28/19</a:t>
             </a:fld>
             <a:endParaRPr lang="en-US"/>
           </a:p>
@@ -3776,6 +3777,72 @@
 </p:sld>
 </file>
 
+<file path=ppt/slides/slide4.xml><?xml version="1.0" encoding="utf-8"?>
+<p:sld xmlns:a="http://schemas.openxmlformats.org/drawingml/2006/main" xmlns:r="http://schemas.openxmlformats.org/officeDocument/2006/relationships" xmlns:p="http://schemas.openxmlformats.org/presentationml/2006/main">
+  <p:cSld>
+    <p:spTree>
+      <p:nvGrpSpPr>
+        <p:cNvPr id="1" name=""/>
+        <p:cNvGrpSpPr/>
+        <p:nvPr/>
+      </p:nvGrpSpPr>
+      <p:grpSpPr>
+        <a:xfrm>
+          <a:off x="0" y="0"/>
+          <a:ext cx="0" cy="0"/>
+          <a:chOff x="0" y="0"/>
+          <a:chExt cx="0" cy="0"/>
+        </a:xfrm>
+      </p:grpSpPr>
+      <p:pic>
+        <p:nvPicPr>
+          <p:cNvPr id="3" name="Graphic 2">
+            <a:extLst>
+              <a:ext uri="{FF2B5EF4-FFF2-40B4-BE49-F238E27FC236}">
+                <a16:creationId xmlns:a16="http://schemas.microsoft.com/office/drawing/2014/main" id="{93F852FF-AEAA-F945-990E-1120DCD3772C}"/>
+              </a:ext>
+            </a:extLst>
+          </p:cNvPr>
+          <p:cNvPicPr>
+            <a:picLocks noChangeAspect="1"/>
+          </p:cNvPicPr>
+          <p:nvPr/>
+        </p:nvPicPr>
+        <p:blipFill>
+          <a:blip r:embed="rId2">
+            <a:extLst>
+              <a:ext uri="{96DAC541-7B7A-43D3-8B79-37D633B846F1}">
+                <asvg:svgBlip xmlns:asvg="http://schemas.microsoft.com/office/drawing/2016/SVG/main" r:embed="rId3"/>
+              </a:ext>
+            </a:extLst>
+          </a:blip>
+          <a:stretch>
+            <a:fillRect/>
+          </a:stretch>
+        </p:blipFill>
+        <p:spPr>
+          <a:xfrm>
+            <a:off x="952500" y="0"/>
+            <a:ext cx="10287000" cy="6858000"/>
+          </a:xfrm>
+          <a:prstGeom prst="rect">
+            <a:avLst/>
+          </a:prstGeom>
+        </p:spPr>
+      </p:pic>
+    </p:spTree>
+    <p:extLst>
+      <p:ext uri="{BB962C8B-B14F-4D97-AF65-F5344CB8AC3E}">
+        <p14:creationId xmlns:p14="http://schemas.microsoft.com/office/powerpoint/2010/main" val="2928544683"/>
+      </p:ext>
+    </p:extLst>
+  </p:cSld>
+  <p:clrMapOvr>
+    <a:masterClrMapping/>
+  </p:clrMapOvr>
+</p:sld>
+</file>
+
 <file path=ppt/theme/theme1.xml><?xml version="1.0" encoding="utf-8"?>
 <a:theme xmlns:a="http://schemas.openxmlformats.org/drawingml/2006/main" name="Office Theme">
   <a:themeElements>
